--- a/draft-gandhi-mpls-ioam-sr-01.pptx
+++ b/draft-gandhi-mpls-ioam-sr-01.pptx
@@ -5,10 +5,10 @@
     <p:sldMasterId id="2147483648" r:id="rId1"/>
   </p:sldMasterIdLst>
   <p:notesMasterIdLst>
-    <p:notesMasterId r:id="rId17"/>
+    <p:notesMasterId r:id="rId18"/>
   </p:notesMasterIdLst>
   <p:handoutMasterIdLst>
-    <p:handoutMasterId r:id="rId18"/>
+    <p:handoutMasterId r:id="rId19"/>
   </p:handoutMasterIdLst>
   <p:sldIdLst>
     <p:sldId id="256" r:id="rId2"/>
@@ -20,12 +20,13 @@
     <p:sldId id="1659" r:id="rId8"/>
     <p:sldId id="1655" r:id="rId9"/>
     <p:sldId id="1658" r:id="rId10"/>
-    <p:sldId id="321" r:id="rId11"/>
-    <p:sldId id="320" r:id="rId12"/>
-    <p:sldId id="1662" r:id="rId13"/>
-    <p:sldId id="1661" r:id="rId14"/>
-    <p:sldId id="303" r:id="rId15"/>
-    <p:sldId id="1660" r:id="rId16"/>
+    <p:sldId id="1664" r:id="rId11"/>
+    <p:sldId id="1662" r:id="rId12"/>
+    <p:sldId id="1663" r:id="rId13"/>
+    <p:sldId id="320" r:id="rId14"/>
+    <p:sldId id="1661" r:id="rId15"/>
+    <p:sldId id="303" r:id="rId16"/>
+    <p:sldId id="1660" r:id="rId17"/>
   </p:sldIdLst>
   <p:sldSz cx="9144000" cy="5143500" type="screen16x9"/>
   <p:notesSz cx="6858000" cy="9144000"/>
@@ -258,7 +259,7 @@
           <a:p>
             <a:fld id="{E8FA3DB5-7722-3F4F-947D-12B203669AD7}" type="datetimeFigureOut">
               <a:rPr lang="en-US" smtClean="0"/>
-              <a:t>3/8/20</a:t>
+              <a:t>3/9/20</a:t>
             </a:fld>
             <a:endParaRPr lang="en-US"/>
           </a:p>
@@ -955,7 +956,7 @@
     </p:spTree>
     <p:extLst>
       <p:ext uri="{BB962C8B-B14F-4D97-AF65-F5344CB8AC3E}">
-        <p14:creationId xmlns:p14="http://schemas.microsoft.com/office/powerpoint/2010/main" val="531790214"/>
+        <p14:creationId xmlns:p14="http://schemas.microsoft.com/office/powerpoint/2010/main" val="2690657143"/>
       </p:ext>
     </p:extLst>
   </p:cSld>
@@ -1045,7 +1046,7 @@
     </p:spTree>
     <p:extLst>
       <p:ext uri="{BB962C8B-B14F-4D97-AF65-F5344CB8AC3E}">
-        <p14:creationId xmlns:p14="http://schemas.microsoft.com/office/powerpoint/2010/main" val="2040580136"/>
+        <p14:creationId xmlns:p14="http://schemas.microsoft.com/office/powerpoint/2010/main" val="824973881"/>
       </p:ext>
     </p:extLst>
   </p:cSld>
@@ -1099,7 +1100,7 @@
           <a:bodyPr/>
           <a:lstStyle/>
           <a:p>
-            <a:endParaRPr lang="en-US" dirty="0"/>
+            <a:endParaRPr lang="en-CA" dirty="0"/>
           </a:p>
         </p:txBody>
       </p:sp>
@@ -1135,7 +1136,7 @@
     </p:spTree>
     <p:extLst>
       <p:ext uri="{BB962C8B-B14F-4D97-AF65-F5344CB8AC3E}">
-        <p14:creationId xmlns:p14="http://schemas.microsoft.com/office/powerpoint/2010/main" val="383772479"/>
+        <p14:creationId xmlns:p14="http://schemas.microsoft.com/office/powerpoint/2010/main" val="2040580136"/>
       </p:ext>
     </p:extLst>
   </p:cSld>
@@ -1189,7 +1190,7 @@
           <a:bodyPr/>
           <a:lstStyle/>
           <a:p>
-            <a:endParaRPr lang="en-CA" dirty="0"/>
+            <a:endParaRPr lang="en-US" dirty="0"/>
           </a:p>
         </p:txBody>
       </p:sp>
@@ -1217,6 +1218,96 @@
                 <a:defRPr/>
               </a:pPr>
               <a:t>15</a:t>
+            </a:fld>
+            <a:endParaRPr lang="en-US" altLang="zh-CN"/>
+          </a:p>
+        </p:txBody>
+      </p:sp>
+    </p:spTree>
+    <p:extLst>
+      <p:ext uri="{BB962C8B-B14F-4D97-AF65-F5344CB8AC3E}">
+        <p14:creationId xmlns:p14="http://schemas.microsoft.com/office/powerpoint/2010/main" val="383772479"/>
+      </p:ext>
+    </p:extLst>
+  </p:cSld>
+  <p:clrMapOvr>
+    <a:masterClrMapping/>
+  </p:clrMapOvr>
+</p:notes>
+</file>
+
+<file path=ppt/notesSlides/notesSlide14.xml><?xml version="1.0" encoding="utf-8"?>
+<p:notes xmlns:a="http://schemas.openxmlformats.org/drawingml/2006/main" xmlns:r="http://schemas.openxmlformats.org/officeDocument/2006/relationships" xmlns:p="http://schemas.openxmlformats.org/presentationml/2006/main">
+  <p:cSld>
+    <p:spTree>
+      <p:nvGrpSpPr>
+        <p:cNvPr id="1" name=""/>
+        <p:cNvGrpSpPr/>
+        <p:nvPr/>
+      </p:nvGrpSpPr>
+      <p:grpSpPr>
+        <a:xfrm>
+          <a:off x="0" y="0"/>
+          <a:ext cx="0" cy="0"/>
+          <a:chOff x="0" y="0"/>
+          <a:chExt cx="0" cy="0"/>
+        </a:xfrm>
+      </p:grpSpPr>
+      <p:sp>
+        <p:nvSpPr>
+          <p:cNvPr id="2" name="Slide Image Placeholder 1"/>
+          <p:cNvSpPr>
+            <a:spLocks noGrp="1" noRot="1" noChangeAspect="1"/>
+          </p:cNvSpPr>
+          <p:nvPr>
+            <p:ph type="sldImg"/>
+          </p:nvPr>
+        </p:nvSpPr>
+        <p:spPr/>
+      </p:sp>
+      <p:sp>
+        <p:nvSpPr>
+          <p:cNvPr id="3" name="Notes Placeholder 2"/>
+          <p:cNvSpPr>
+            <a:spLocks noGrp="1"/>
+          </p:cNvSpPr>
+          <p:nvPr>
+            <p:ph type="body" idx="1"/>
+          </p:nvPr>
+        </p:nvSpPr>
+        <p:spPr/>
+        <p:txBody>
+          <a:bodyPr/>
+          <a:lstStyle/>
+          <a:p>
+            <a:endParaRPr lang="en-CA" dirty="0"/>
+          </a:p>
+        </p:txBody>
+      </p:sp>
+      <p:sp>
+        <p:nvSpPr>
+          <p:cNvPr id="4" name="Slide Number Placeholder 3"/>
+          <p:cNvSpPr>
+            <a:spLocks noGrp="1"/>
+          </p:cNvSpPr>
+          <p:nvPr>
+            <p:ph type="sldNum" sz="quarter" idx="10"/>
+          </p:nvPr>
+        </p:nvSpPr>
+        <p:spPr/>
+        <p:txBody>
+          <a:bodyPr/>
+          <a:lstStyle/>
+          <a:p>
+            <a:pPr>
+              <a:defRPr/>
+            </a:pPr>
+            <a:fld id="{100938BD-FD70-4535-B0C2-13FC38CDF1BE}" type="slidenum">
+              <a:rPr lang="en-US" altLang="zh-CN" smtClean="0"/>
+              <a:pPr>
+                <a:defRPr/>
+              </a:pPr>
+              <a:t>16</a:t>
             </a:fld>
             <a:endParaRPr lang="en-US" altLang="zh-CN"/>
           </a:p>
@@ -1855,7 +1946,7 @@
     </p:spTree>
     <p:extLst>
       <p:ext uri="{BB962C8B-B14F-4D97-AF65-F5344CB8AC3E}">
-        <p14:creationId xmlns:p14="http://schemas.microsoft.com/office/powerpoint/2010/main" val="333663107"/>
+        <p14:creationId xmlns:p14="http://schemas.microsoft.com/office/powerpoint/2010/main" val="2906677875"/>
       </p:ext>
     </p:extLst>
   </p:cSld>
@@ -1945,7 +2036,7 @@
     </p:spTree>
     <p:extLst>
       <p:ext uri="{BB962C8B-B14F-4D97-AF65-F5344CB8AC3E}">
-        <p14:creationId xmlns:p14="http://schemas.microsoft.com/office/powerpoint/2010/main" val="824973881"/>
+        <p14:creationId xmlns:p14="http://schemas.microsoft.com/office/powerpoint/2010/main" val="531790214"/>
       </p:ext>
     </p:extLst>
   </p:cSld>
@@ -5556,7 +5647,7 @@
         </p:nvSpPr>
         <p:spPr>
           <a:xfrm>
-            <a:off x="457200" y="0"/>
+            <a:off x="457200" y="-21771"/>
             <a:ext cx="8229600" cy="857250"/>
           </a:xfrm>
         </p:spPr>
@@ -5572,7 +5663,7 @@
                 <a:latin typeface="Calibri Light" panose="020F0302020204030204" pitchFamily="34" charset="0"/>
                 <a:cs typeface="Calibri Light" panose="020F0302020204030204" pitchFamily="34" charset="0"/>
               </a:rPr>
-              <a:t>IOAM Procedure</a:t>
+              <a:t>Edge-to-edge IOAM Procedure</a:t>
             </a:r>
           </a:p>
         </p:txBody>
@@ -5590,7 +5681,7 @@
         <p:spPr>
           <a:xfrm>
             <a:off x="438807" y="857250"/>
-            <a:ext cx="8077200" cy="3276600"/>
+            <a:ext cx="8077200" cy="3543300"/>
           </a:xfrm>
         </p:spPr>
         <p:txBody>
@@ -5608,24 +5699,8 @@
               <a:buAutoNum type="arabicPeriod"/>
             </a:pPr>
             <a:r>
-              <a:rPr lang="en-CA" sz="2000" dirty="0"/>
-              <a:t>The encapsulating node inserts the Indicator Label and one or more IOAM data field(s) in the MPLS header.</a:t>
-            </a:r>
-          </a:p>
-          <a:p>
-            <a:pPr marL="457200" indent="-457200">
-              <a:lnSpc>
-                <a:spcPts val="2640"/>
-              </a:lnSpc>
-              <a:spcBef>
-                <a:spcPts val="600"/>
-              </a:spcBef>
-              <a:buFont typeface="+mj-lt"/>
-              <a:buAutoNum type="arabicPeriod"/>
-            </a:pPr>
-            <a:r>
-              <a:rPr lang="en-CA" sz="2000" dirty="0"/>
-              <a:t>The transit node for hop-by-hop IOAM "forwards and punts the timestamped copy" of the data packet including IOAM data field(s). </a:t>
+              <a:rPr lang="en-CA" sz="1800" dirty="0"/>
+              <a:t>The encapsulating node inserts an edge-to-edge Indicator Label and one or more IOAM data field(s) in the MPLS header.</a:t>
             </a:r>
           </a:p>
           <a:p>
@@ -5640,8 +5715,8 @@
               <a:buAutoNum type="arabicPeriod"/>
             </a:pPr>
             <a:r>
-              <a:rPr lang="en-CA" sz="2000" dirty="0"/>
-              <a:t>The decapsulating node for both hop-by-hop and edge-to-edge IOAM "forwards and punts the timestamped copy" of the data packet including IOAM data field(s). </a:t>
+              <a:rPr lang="en-CA" sz="1800" dirty="0"/>
+              <a:t>The decapsulating node for edge-to-edge IOAM "forwards and punts the timestamped copy" of the data packet including IOAM data field(s). </a:t>
             </a:r>
           </a:p>
           <a:p>
@@ -5656,8 +5731,8 @@
               <a:buChar char="§"/>
             </a:pPr>
             <a:r>
-              <a:rPr lang="en-CA" sz="2000" dirty="0"/>
-              <a:t>The decapsulating node also pops the IOAM Indicator Label and the IOAM data field(s) from the MPLS header.</a:t>
+              <a:rPr lang="en-CA" sz="1800" dirty="0"/>
+              <a:t>The decapsulating node for edge-to-edge IOAM also pops the IOAM Indicator Label and the IOAM data field(s) from the MPLS header.</a:t>
             </a:r>
           </a:p>
         </p:txBody>
@@ -5732,7 +5807,7 @@
     </p:spTree>
     <p:extLst>
       <p:ext uri="{BB962C8B-B14F-4D97-AF65-F5344CB8AC3E}">
-        <p14:creationId xmlns:p14="http://schemas.microsoft.com/office/powerpoint/2010/main" val="3476430333"/>
+        <p14:creationId xmlns:p14="http://schemas.microsoft.com/office/powerpoint/2010/main" val="906245629"/>
       </p:ext>
     </p:extLst>
   </p:cSld>
@@ -5780,16 +5855,6 @@
           <a:lstStyle/>
           <a:p>
             <a:r>
-              <a:rPr lang="en-US" sz="3600" dirty="0" err="1">
-                <a:solidFill>
-                  <a:srgbClr val="0070C0"/>
-                </a:solidFill>
-                <a:latin typeface="Calibri Light" panose="020F0302020204030204" pitchFamily="34" charset="0"/>
-                <a:cs typeface="Calibri Light" panose="020F0302020204030204" pitchFamily="34" charset="0"/>
-              </a:rPr>
-              <a:t>HbH</a:t>
-            </a:r>
-            <a:r>
               <a:rPr lang="en-US" sz="3600" dirty="0">
                 <a:solidFill>
                   <a:srgbClr val="0070C0"/>
@@ -5797,7 +5862,7 @@
                 <a:latin typeface="Calibri Light" panose="020F0302020204030204" pitchFamily="34" charset="0"/>
                 <a:cs typeface="Calibri Light" panose="020F0302020204030204" pitchFamily="34" charset="0"/>
               </a:rPr>
-              <a:t> Indicator Label Allocation Methods</a:t>
+              <a:t>E2E Indicator Label Allocation Methods</a:t>
             </a:r>
           </a:p>
         </p:txBody>
@@ -5814,8 +5879,8 @@
         </p:nvSpPr>
         <p:spPr>
           <a:xfrm>
-            <a:off x="609600" y="955621"/>
-            <a:ext cx="7924800" cy="3140129"/>
+            <a:off x="609600" y="895525"/>
+            <a:ext cx="7924800" cy="3429000"/>
           </a:xfrm>
         </p:spPr>
         <p:txBody>
@@ -5828,7 +5893,7 @@
             </a:pPr>
             <a:r>
               <a:rPr lang="en-CA" sz="2000" dirty="0"/>
-              <a:t>Label assigned by IANA with values TBA3, and TBA4</a:t>
+              <a:t>Label assigned by IANA with values TBA1 and TBA2</a:t>
             </a:r>
           </a:p>
           <a:p>
@@ -5866,7 +5931,27 @@
             </a:pPr>
             <a:r>
               <a:rPr lang="en-CA" sz="2000" dirty="0"/>
-              <a:t>The controller provisions the label on encapsulating, transit and decapsulating nodes</a:t>
+              <a:t>The controller provisions the label on encapsulating and decapsulating nodes</a:t>
+            </a:r>
+          </a:p>
+          <a:p>
+            <a:pPr marL="457200" lvl="0" indent="-457200">
+              <a:buFont typeface="+mj-lt"/>
+              <a:buAutoNum type="arabicPeriod"/>
+            </a:pPr>
+            <a:r>
+              <a:rPr lang="en-CA" sz="2000" dirty="0"/>
+              <a:t>The label allocated by the decapsulating node</a:t>
+            </a:r>
+          </a:p>
+          <a:p>
+            <a:pPr lvl="1" indent="-342900">
+              <a:buFont typeface="Wingdings" pitchFamily="2" charset="2"/>
+              <a:buChar char="§"/>
+            </a:pPr>
+            <a:r>
+              <a:rPr lang="en-CA" sz="2000" dirty="0"/>
+              <a:t>Signaling mechanism used to convey the label to all encapsulating nodes</a:t>
             </a:r>
           </a:p>
         </p:txBody>
@@ -5941,7 +6026,7 @@
     </p:spTree>
     <p:extLst>
       <p:ext uri="{BB962C8B-B14F-4D97-AF65-F5344CB8AC3E}">
-        <p14:creationId xmlns:p14="http://schemas.microsoft.com/office/powerpoint/2010/main" val="74835941"/>
+        <p14:creationId xmlns:p14="http://schemas.microsoft.com/office/powerpoint/2010/main" val="16194378"/>
       </p:ext>
     </p:extLst>
   </p:cSld>
@@ -5980,7 +6065,7 @@
         </p:nvSpPr>
         <p:spPr>
           <a:xfrm>
-            <a:off x="457200" y="0"/>
+            <a:off x="457200" y="-21771"/>
             <a:ext cx="8229600" cy="857250"/>
           </a:xfrm>
         </p:spPr>
@@ -5996,7 +6081,7 @@
                 <a:latin typeface="Calibri Light" panose="020F0302020204030204" pitchFamily="34" charset="0"/>
                 <a:cs typeface="Calibri Light" panose="020F0302020204030204" pitchFamily="34" charset="0"/>
               </a:rPr>
-              <a:t>E2E Indicator Label Allocation Methods</a:t>
+              <a:t>Hob-by-hop IOAM Procedure</a:t>
             </a:r>
           </a:p>
         </p:txBody>
@@ -6013,8 +6098,8 @@
         </p:nvSpPr>
         <p:spPr>
           <a:xfrm>
-            <a:off x="609600" y="895525"/>
-            <a:ext cx="7924800" cy="3429000"/>
+            <a:off x="438807" y="857250"/>
+            <a:ext cx="8077200" cy="3543300"/>
           </a:xfrm>
         </p:spPr>
         <p:txBody>
@@ -6022,70 +6107,66 @@
           <a:lstStyle/>
           <a:p>
             <a:pPr marL="457200" lvl="0" indent="-457200">
+              <a:lnSpc>
+                <a:spcPts val="2640"/>
+              </a:lnSpc>
+              <a:spcBef>
+                <a:spcPts val="600"/>
+              </a:spcBef>
               <a:buFont typeface="+mj-lt"/>
               <a:buAutoNum type="arabicPeriod"/>
             </a:pPr>
             <a:r>
-              <a:rPr lang="en-CA" sz="2000" dirty="0"/>
-              <a:t>Label assigned by IANA with values TBA1 and TBA2</a:t>
-            </a:r>
-          </a:p>
-          <a:p>
-            <a:pPr lvl="1" indent="-342900">
+              <a:rPr lang="en-CA" sz="1800" dirty="0"/>
+              <a:t>The encapsulating node inserts a hop-by-hop Indicator Label and one or more IOAM data field(s) in the MPLS header.</a:t>
+            </a:r>
+          </a:p>
+          <a:p>
+            <a:pPr marL="457200" indent="-457200">
+              <a:lnSpc>
+                <a:spcPts val="2640"/>
+              </a:lnSpc>
+              <a:spcBef>
+                <a:spcPts val="600"/>
+              </a:spcBef>
+              <a:buFont typeface="+mj-lt"/>
+              <a:buAutoNum type="arabicPeriod"/>
+            </a:pPr>
+            <a:r>
+              <a:rPr lang="en-CA" sz="1800" dirty="0"/>
+              <a:t>The transit node for hop-by-hop IOAM "forwards and punts the timestamped copy" of the data packet including IOAM data field(s). </a:t>
+            </a:r>
+          </a:p>
+          <a:p>
+            <a:pPr marL="457200" lvl="0" indent="-457200">
+              <a:lnSpc>
+                <a:spcPts val="2640"/>
+              </a:lnSpc>
+              <a:spcBef>
+                <a:spcPts val="600"/>
+              </a:spcBef>
+              <a:buFont typeface="+mj-lt"/>
+              <a:buAutoNum type="arabicPeriod"/>
+            </a:pPr>
+            <a:r>
+              <a:rPr lang="en-CA" sz="1800" dirty="0"/>
+              <a:t>The decapsulating node for hop-by-hop IOAM "forwards and punts the timestamped copy" of the data packet including IOAM data field(s). </a:t>
+            </a:r>
+          </a:p>
+          <a:p>
+            <a:pPr marL="857250" lvl="1" indent="-457200">
+              <a:lnSpc>
+                <a:spcPts val="2640"/>
+              </a:lnSpc>
+              <a:spcBef>
+                <a:spcPts val="600"/>
+              </a:spcBef>
               <a:buFont typeface="Wingdings" pitchFamily="2" charset="2"/>
               <a:buChar char="§"/>
             </a:pPr>
             <a:r>
-              <a:rPr lang="en-CA" sz="2000" dirty="0"/>
-              <a:t>From Extended Special Purpose Labels (</a:t>
-            </a:r>
-            <a:r>
-              <a:rPr lang="en-CA" sz="2000" dirty="0" err="1"/>
-              <a:t>eSPL</a:t>
-            </a:r>
-            <a:r>
-              <a:rPr lang="en-CA" sz="2000" dirty="0"/>
-              <a:t>) range</a:t>
-            </a:r>
-          </a:p>
-          <a:p>
-            <a:pPr marL="457200" lvl="0" indent="-457200">
-              <a:buFont typeface="+mj-lt"/>
-              <a:buAutoNum type="arabicPeriod"/>
-            </a:pPr>
-            <a:r>
-              <a:rPr lang="en-CA" sz="2000" dirty="0"/>
-              <a:t>Global Label allocated by a controller</a:t>
-            </a:r>
-          </a:p>
-          <a:p>
-            <a:pPr lvl="1" indent="-342900">
-              <a:buFont typeface="Wingdings" pitchFamily="2" charset="2"/>
-              <a:buChar char="§"/>
-            </a:pPr>
-            <a:r>
-              <a:rPr lang="en-CA" sz="2000" dirty="0"/>
-              <a:t>The controller provisions the label on encapsulating and decapsulating nodes</a:t>
-            </a:r>
-          </a:p>
-          <a:p>
-            <a:pPr marL="457200" lvl="0" indent="-457200">
-              <a:buFont typeface="+mj-lt"/>
-              <a:buAutoNum type="arabicPeriod"/>
-            </a:pPr>
-            <a:r>
-              <a:rPr lang="en-CA" sz="2000" dirty="0"/>
-              <a:t>The label allocated by the decapsulating node</a:t>
-            </a:r>
-          </a:p>
-          <a:p>
-            <a:pPr lvl="1" indent="-342900">
-              <a:buFont typeface="Wingdings" pitchFamily="2" charset="2"/>
-              <a:buChar char="§"/>
-            </a:pPr>
-            <a:r>
-              <a:rPr lang="en-CA" sz="2000" dirty="0"/>
-              <a:t>Signaling mechanism used to convey the label to all encapsulating nodes</a:t>
+              <a:rPr lang="en-CA" sz="1800" dirty="0"/>
+              <a:t>The decapsulating node for hop-by-hop IOAM also pops the IOAM Indicator Label and the IOAM data field(s) from the MPLS header.</a:t>
             </a:r>
           </a:p>
         </p:txBody>
@@ -6160,7 +6241,7 @@
     </p:spTree>
     <p:extLst>
       <p:ext uri="{BB962C8B-B14F-4D97-AF65-F5344CB8AC3E}">
-        <p14:creationId xmlns:p14="http://schemas.microsoft.com/office/powerpoint/2010/main" val="16194378"/>
+        <p14:creationId xmlns:p14="http://schemas.microsoft.com/office/powerpoint/2010/main" val="2247469569"/>
       </p:ext>
     </p:extLst>
   </p:cSld>
@@ -6199,6 +6280,215 @@
         </p:nvSpPr>
         <p:spPr>
           <a:xfrm>
+            <a:off x="457200" y="0"/>
+            <a:ext cx="8229600" cy="857250"/>
+          </a:xfrm>
+        </p:spPr>
+        <p:txBody>
+          <a:bodyPr/>
+          <a:lstStyle/>
+          <a:p>
+            <a:r>
+              <a:rPr lang="en-US" sz="3600" dirty="0" err="1">
+                <a:solidFill>
+                  <a:srgbClr val="0070C0"/>
+                </a:solidFill>
+                <a:latin typeface="Calibri Light" panose="020F0302020204030204" pitchFamily="34" charset="0"/>
+                <a:cs typeface="Calibri Light" panose="020F0302020204030204" pitchFamily="34" charset="0"/>
+              </a:rPr>
+              <a:t>HbH</a:t>
+            </a:r>
+            <a:r>
+              <a:rPr lang="en-US" sz="3600" dirty="0">
+                <a:solidFill>
+                  <a:srgbClr val="0070C0"/>
+                </a:solidFill>
+                <a:latin typeface="Calibri Light" panose="020F0302020204030204" pitchFamily="34" charset="0"/>
+                <a:cs typeface="Calibri Light" panose="020F0302020204030204" pitchFamily="34" charset="0"/>
+              </a:rPr>
+              <a:t> Indicator Label Allocation Methods</a:t>
+            </a:r>
+          </a:p>
+        </p:txBody>
+      </p:sp>
+      <p:sp>
+        <p:nvSpPr>
+          <p:cNvPr id="3" name="Content Placeholder 2"/>
+          <p:cNvSpPr>
+            <a:spLocks noGrp="1"/>
+          </p:cNvSpPr>
+          <p:nvPr>
+            <p:ph idx="1"/>
+          </p:nvPr>
+        </p:nvSpPr>
+        <p:spPr>
+          <a:xfrm>
+            <a:off x="609600" y="1001685"/>
+            <a:ext cx="7924800" cy="3140129"/>
+          </a:xfrm>
+        </p:spPr>
+        <p:txBody>
+          <a:bodyPr/>
+          <a:lstStyle/>
+          <a:p>
+            <a:pPr marL="457200" lvl="0" indent="-457200">
+              <a:buFont typeface="+mj-lt"/>
+              <a:buAutoNum type="arabicPeriod"/>
+            </a:pPr>
+            <a:r>
+              <a:rPr lang="en-CA" sz="2000" dirty="0"/>
+              <a:t>Label assigned by IANA with values TBA3, and TBA4</a:t>
+            </a:r>
+          </a:p>
+          <a:p>
+            <a:pPr lvl="1" indent="-342900">
+              <a:buFont typeface="Wingdings" pitchFamily="2" charset="2"/>
+              <a:buChar char="§"/>
+            </a:pPr>
+            <a:r>
+              <a:rPr lang="en-CA" sz="2000" dirty="0"/>
+              <a:t>From Extended Special Purpose Labels (</a:t>
+            </a:r>
+            <a:r>
+              <a:rPr lang="en-CA" sz="2000" dirty="0" err="1"/>
+              <a:t>eSPL</a:t>
+            </a:r>
+            <a:r>
+              <a:rPr lang="en-CA" sz="2000" dirty="0"/>
+              <a:t>) range</a:t>
+            </a:r>
+          </a:p>
+          <a:p>
+            <a:pPr marL="457200" lvl="0" indent="-457200">
+              <a:buFont typeface="+mj-lt"/>
+              <a:buAutoNum type="arabicPeriod"/>
+            </a:pPr>
+            <a:r>
+              <a:rPr lang="en-CA" sz="2000" dirty="0"/>
+              <a:t>Global Label allocated by a controller</a:t>
+            </a:r>
+          </a:p>
+          <a:p>
+            <a:pPr lvl="1" indent="-342900">
+              <a:buFont typeface="Wingdings" pitchFamily="2" charset="2"/>
+              <a:buChar char="§"/>
+            </a:pPr>
+            <a:r>
+              <a:rPr lang="en-CA" sz="2000" dirty="0"/>
+              <a:t>The controller provisions the label on encapsulating, transit and decapsulating nodes</a:t>
+            </a:r>
+          </a:p>
+        </p:txBody>
+      </p:sp>
+      <p:sp>
+        <p:nvSpPr>
+          <p:cNvPr id="4" name="Footer Placeholder 3"/>
+          <p:cNvSpPr>
+            <a:spLocks noGrp="1"/>
+          </p:cNvSpPr>
+          <p:nvPr>
+            <p:ph type="ftr" sz="quarter" idx="11"/>
+          </p:nvPr>
+        </p:nvSpPr>
+        <p:spPr>
+          <a:xfrm>
+            <a:off x="3124200" y="4786312"/>
+            <a:ext cx="2895600" cy="357188"/>
+          </a:xfrm>
+        </p:spPr>
+        <p:txBody>
+          <a:bodyPr/>
+          <a:lstStyle/>
+          <a:p>
+            <a:pPr>
+              <a:defRPr/>
+            </a:pPr>
+            <a:r>
+              <a:rPr lang="en-US" altLang="zh-CN" dirty="0"/>
+              <a:t>107</a:t>
+            </a:r>
+            <a:r>
+              <a:rPr lang="en-US" altLang="zh-CN" baseline="30000" dirty="0"/>
+              <a:t>th</a:t>
+            </a:r>
+            <a:r>
+              <a:rPr lang="en-US" altLang="zh-CN" dirty="0"/>
+              <a:t> IETF @ Vancouver</a:t>
+            </a:r>
+          </a:p>
+        </p:txBody>
+      </p:sp>
+      <p:sp>
+        <p:nvSpPr>
+          <p:cNvPr id="5" name="Slide Number Placeholder 4"/>
+          <p:cNvSpPr>
+            <a:spLocks noGrp="1"/>
+          </p:cNvSpPr>
+          <p:nvPr>
+            <p:ph type="sldNum" sz="quarter" idx="12"/>
+          </p:nvPr>
+        </p:nvSpPr>
+        <p:spPr/>
+        <p:txBody>
+          <a:bodyPr/>
+          <a:lstStyle/>
+          <a:p>
+            <a:pPr>
+              <a:defRPr/>
+            </a:pPr>
+            <a:fld id="{BD6E0F59-1DD8-40FC-9C92-B6295CBA6CCA}" type="slidenum">
+              <a:rPr lang="en-US" altLang="zh-CN" smtClean="0"/>
+              <a:pPr>
+                <a:defRPr/>
+              </a:pPr>
+              <a:t>13</a:t>
+            </a:fld>
+            <a:endParaRPr lang="en-US" altLang="zh-CN"/>
+          </a:p>
+        </p:txBody>
+      </p:sp>
+    </p:spTree>
+    <p:extLst>
+      <p:ext uri="{BB962C8B-B14F-4D97-AF65-F5344CB8AC3E}">
+        <p14:creationId xmlns:p14="http://schemas.microsoft.com/office/powerpoint/2010/main" val="74835941"/>
+      </p:ext>
+    </p:extLst>
+  </p:cSld>
+  <p:clrMapOvr>
+    <a:masterClrMapping/>
+  </p:clrMapOvr>
+</p:sld>
+</file>
+
+<file path=ppt/slides/slide14.xml><?xml version="1.0" encoding="utf-8"?>
+<p:sld xmlns:a="http://schemas.openxmlformats.org/drawingml/2006/main" xmlns:r="http://schemas.openxmlformats.org/officeDocument/2006/relationships" xmlns:p="http://schemas.openxmlformats.org/presentationml/2006/main">
+  <p:cSld>
+    <p:spTree>
+      <p:nvGrpSpPr>
+        <p:cNvPr id="1" name=""/>
+        <p:cNvGrpSpPr/>
+        <p:nvPr/>
+      </p:nvGrpSpPr>
+      <p:grpSpPr>
+        <a:xfrm>
+          <a:off x="0" y="0"/>
+          <a:ext cx="0" cy="0"/>
+          <a:chOff x="0" y="0"/>
+          <a:chExt cx="0" cy="0"/>
+        </a:xfrm>
+      </p:grpSpPr>
+      <p:sp>
+        <p:nvSpPr>
+          <p:cNvPr id="2" name="Title 1"/>
+          <p:cNvSpPr>
+            <a:spLocks noGrp="1"/>
+          </p:cNvSpPr>
+          <p:nvPr>
+            <p:ph type="title"/>
+          </p:nvPr>
+        </p:nvSpPr>
+        <p:spPr>
+          <a:xfrm>
             <a:off x="457200" y="38100"/>
             <a:ext cx="8229600" cy="857250"/>
           </a:xfrm>
@@ -6321,7 +6611,7 @@
               <a:pPr>
                 <a:defRPr/>
               </a:pPr>
-              <a:t>13</a:t>
+              <a:t>14</a:t>
             </a:fld>
             <a:endParaRPr lang="en-US" altLang="zh-CN"/>
           </a:p>
@@ -6340,7 +6630,7 @@
 </p:sld>
 </file>
 
-<file path=ppt/slides/slide14.xml><?xml version="1.0" encoding="utf-8"?>
+<file path=ppt/slides/slide15.xml><?xml version="1.0" encoding="utf-8"?>
 <p:sld xmlns:a="http://schemas.openxmlformats.org/drawingml/2006/main" xmlns:r="http://schemas.openxmlformats.org/officeDocument/2006/relationships" xmlns:p="http://schemas.openxmlformats.org/presentationml/2006/main">
   <p:cSld>
     <p:spTree>
@@ -6607,7 +6897,7 @@
               <a:pPr>
                 <a:defRPr/>
               </a:pPr>
-              <a:t>14</a:t>
+              <a:t>15</a:t>
             </a:fld>
             <a:endParaRPr lang="en-US" altLang="zh-CN"/>
           </a:p>
@@ -6626,7 +6916,7 @@
 </p:sld>
 </file>
 
-<file path=ppt/slides/slide15.xml><?xml version="1.0" encoding="utf-8"?>
+<file path=ppt/slides/slide16.xml><?xml version="1.0" encoding="utf-8"?>
 <p:sld xmlns:a="http://schemas.openxmlformats.org/drawingml/2006/main" xmlns:r="http://schemas.openxmlformats.org/officeDocument/2006/relationships" xmlns:p="http://schemas.openxmlformats.org/presentationml/2006/main">
   <p:cSld>
     <p:spTree>
@@ -6858,7 +7148,7 @@
               <a:pPr>
                 <a:defRPr/>
               </a:pPr>
-              <a:t>15</a:t>
+              <a:t>16</a:t>
             </a:fld>
             <a:endParaRPr lang="en-US" altLang="zh-CN"/>
           </a:p>
@@ -7514,7 +7804,7 @@
             <a:pPr lvl="1"/>
             <a:r>
               <a:rPr lang="en-US" sz="1600" dirty="0"/>
-              <a:t>Draft was discussed in IPPM WG meetings as part of IOAM updates</a:t>
+              <a:t>Draft was discussed in IPPM WG meetings as part of the IOAM updates</a:t>
             </a:r>
           </a:p>
           <a:p>
@@ -7539,7 +7829,7 @@
           <a:p>
             <a:pPr lvl="1"/>
             <a:r>
-              <a:rPr lang="en-US" sz="1600" dirty="0"/>
+              <a:rPr lang="en-US" sz="1600" b="1" dirty="0"/>
               <a:t>Chairs agreed to progress the work in MPLS WG</a:t>
             </a:r>
           </a:p>
@@ -8301,7 +8591,7 @@
                 <a:latin typeface="Calibri Light" panose="020F0302020204030204" pitchFamily="34" charset="0"/>
                 <a:cs typeface="Calibri Light" panose="020F0302020204030204" pitchFamily="34" charset="0"/>
               </a:rPr>
-              <a:t>IOAM Indicator Labels</a:t>
+              <a:t>IOAM Indicator Label</a:t>
             </a:r>
           </a:p>
         </p:txBody>
@@ -8336,7 +8626,7 @@
             </a:pPr>
             <a:r>
               <a:rPr lang="en-CA" sz="2000" dirty="0"/>
-              <a:t>IOAM Indicator Labels used to indicate the presence of the IOAM data field in the MPLS header.  </a:t>
+              <a:t>“IOAM Indicator Label” is used to indicate the presence of the IOAM data fields in the MPLS header.  </a:t>
             </a:r>
           </a:p>
           <a:p>
@@ -8350,15 +8640,7 @@
             </a:pPr>
             <a:r>
               <a:rPr lang="en-CA" sz="2000" dirty="0"/>
-              <a:t>Separate Label values are used for E2E and </a:t>
-            </a:r>
-            <a:r>
-              <a:rPr lang="en-CA" sz="2000" dirty="0" err="1"/>
-              <a:t>HbH</a:t>
-            </a:r>
-            <a:r>
-              <a:rPr lang="en-CA" sz="2000" dirty="0"/>
-              <a:t> IOAM:</a:t>
+              <a:t>Separate Label values are used for edge-to-edge and hop-by-hop IOAM:</a:t>
             </a:r>
           </a:p>
           <a:p>
@@ -8738,13 +9020,13 @@
               <a:rPr lang="en-CA" sz="1000" b="1" dirty="0">
                 <a:latin typeface="Courier" pitchFamily="2" charset="0"/>
               </a:rPr>
-              <a:t>0 0 0 0|      Flow label                       </a:t>
+              <a:t>0 0 0 0|      Flow label                       | Block Number  </a:t>
             </a:r>
             <a:r>
               <a:rPr lang="en-CA" sz="1000" dirty="0">
                 <a:latin typeface="Courier" pitchFamily="2" charset="0"/>
               </a:rPr>
-              <a:t>|  RESERVED     |</a:t>
+              <a:t>|</a:t>
             </a:r>
           </a:p>
           <a:p>
@@ -8956,7 +9238,7 @@
                 <a:latin typeface="Calibri Light" panose="020F0302020204030204" pitchFamily="34" charset="0"/>
                 <a:cs typeface="Calibri Light" panose="020F0302020204030204" pitchFamily="34" charset="0"/>
               </a:rPr>
-              <a:t>IOAM and Flow Indicator Labels</a:t>
+              <a:t>IOAM and Flow Indicator Label</a:t>
             </a:r>
           </a:p>
         </p:txBody>
@@ -8973,7 +9255,7 @@
         </p:nvSpPr>
         <p:spPr>
           <a:xfrm>
-            <a:off x="457200" y="857250"/>
+            <a:off x="457200" y="960438"/>
             <a:ext cx="8229600" cy="3505200"/>
           </a:xfrm>
         </p:spPr>
@@ -8991,7 +9273,7 @@
             </a:pPr>
             <a:r>
               <a:rPr lang="en-CA" sz="1800" dirty="0"/>
-              <a:t>IOAM and Flow Indicator Label is used to carry a second label underneath with protocol value 0000b, 20-bit Flow Label and 8-bit Block Number.  </a:t>
+              <a:t>“IOAM and Flow Indicator Label” is used to indicate the presence of the IOAM data fields with Flow Label in the MPLS header.  </a:t>
             </a:r>
           </a:p>
           <a:p>
@@ -9005,15 +9287,7 @@
             </a:pPr>
             <a:r>
               <a:rPr lang="en-CA" sz="1800" dirty="0"/>
-              <a:t>Separate Label values are used for E2E and </a:t>
-            </a:r>
-            <a:r>
-              <a:rPr lang="en-CA" sz="1800" dirty="0" err="1"/>
-              <a:t>HbH</a:t>
-            </a:r>
-            <a:r>
-              <a:rPr lang="en-CA" sz="1800" dirty="0"/>
-              <a:t> IOAM:</a:t>
+              <a:t>Separate Label values are used for edge-to-edge and hop-by-hop IOAM:</a:t>
             </a:r>
           </a:p>
           <a:p>
@@ -9054,8 +9328,12 @@
               </a:spcBef>
             </a:pPr>
             <a:r>
+              <a:rPr lang="en-CA" sz="1800" b="1" dirty="0"/>
+              <a:t>Protocol</a:t>
+            </a:r>
+            <a:r>
               <a:rPr lang="en-CA" sz="1800" dirty="0"/>
-              <a:t>Protocol value 0000b allows to avoid incorrect IP header based hashing over ECMP paths.  </a:t>
+              <a:t> value 0000b allows to avoid incorrect IP header based hashing over ECMP paths.  </a:t>
             </a:r>
           </a:p>
           <a:p>
@@ -9068,8 +9346,12 @@
               </a:spcBef>
             </a:pPr>
             <a:r>
+              <a:rPr lang="en-CA" sz="1800" b="1" dirty="0"/>
+              <a:t>Flow Label</a:t>
+            </a:r>
+            <a:r>
               <a:rPr lang="en-CA" sz="1800" dirty="0"/>
-              <a:t>Flow Label identifies the traffic flow that can be used for IOAM purpose.</a:t>
+              <a:t> identifies the traffic flow that can be used for IOAM purpose.</a:t>
             </a:r>
           </a:p>
           <a:p>
@@ -9082,15 +9364,13 @@
               </a:spcBef>
             </a:pPr>
             <a:r>
+              <a:rPr lang="en-CA" sz="1800" b="1" dirty="0"/>
+              <a:t>Block Number </a:t>
+            </a:r>
+            <a:r>
               <a:rPr lang="en-CA" sz="1800" dirty="0"/>
-              <a:t>Block Number can be used to aggregate the IOAM data collected in data plane, e.g. compute measurement metrics for each block of a flow.</a:t>
-            </a:r>
-          </a:p>
-          <a:p>
-            <a:pPr marL="0" indent="0">
-              <a:buNone/>
-            </a:pPr>
-            <a:endParaRPr lang="en-CA" sz="1800" dirty="0"/>
+              <a:t>can be used to aggregate the IOAM data collected in data plane, e.g. compute measurement metrics for each block of a flow.</a:t>
+            </a:r>
           </a:p>
         </p:txBody>
       </p:sp>

--- a/draft-gandhi-mpls-ioam-sr-01.pptx
+++ b/draft-gandhi-mpls-ioam-sr-01.pptx
@@ -2196,13 +2196,16 @@
             </a:pPr>
             <a:r>
               <a:rPr lang="en-US" altLang="zh-CN" dirty="0"/>
-              <a:t>105th IETF @ Montreal</a:t>
-            </a:r>
-            <a:endParaRPr lang="en-US" altLang="zh-CN" dirty="0">
-              <a:latin typeface="Calibri" charset="0"/>
-              <a:ea typeface="Calibri" charset="0"/>
-              <a:cs typeface="Calibri" charset="0"/>
-            </a:endParaRPr>
+              <a:t>107</a:t>
+            </a:r>
+            <a:r>
+              <a:rPr lang="en-US" altLang="zh-CN" baseline="30000" dirty="0"/>
+              <a:t>th</a:t>
+            </a:r>
+            <a:r>
+              <a:rPr lang="en-US" altLang="zh-CN" dirty="0"/>
+              <a:t> IETF @ Vancouver</a:t>
+            </a:r>
           </a:p>
         </p:txBody>
       </p:sp>
@@ -2417,7 +2420,15 @@
             </a:pPr>
             <a:r>
               <a:rPr lang="en-US" altLang="zh-CN" dirty="0"/>
-              <a:t>105th IETF @ Montreal</a:t>
+              <a:t>107</a:t>
+            </a:r>
+            <a:r>
+              <a:rPr lang="en-US" altLang="zh-CN" baseline="30000" dirty="0"/>
+              <a:t>th</a:t>
+            </a:r>
+            <a:r>
+              <a:rPr lang="en-US" altLang="zh-CN" dirty="0"/>
+              <a:t> IETF @ Vancouver</a:t>
             </a:r>
           </a:p>
         </p:txBody>
@@ -2643,7 +2654,15 @@
             </a:pPr>
             <a:r>
               <a:rPr lang="en-US" altLang="zh-CN" dirty="0"/>
-              <a:t>105th IETF @ Montreal</a:t>
+              <a:t>107</a:t>
+            </a:r>
+            <a:r>
+              <a:rPr lang="en-US" altLang="zh-CN" baseline="30000" dirty="0"/>
+              <a:t>th</a:t>
+            </a:r>
+            <a:r>
+              <a:rPr lang="en-US" altLang="zh-CN" dirty="0"/>
+              <a:t> IETF @ Vancouver</a:t>
             </a:r>
           </a:p>
         </p:txBody>
@@ -2859,13 +2878,16 @@
             </a:pPr>
             <a:r>
               <a:rPr lang="en-US" altLang="zh-CN" dirty="0"/>
-              <a:t>105th IETF @ Montreal</a:t>
-            </a:r>
-            <a:endParaRPr lang="en-US" altLang="zh-CN" dirty="0">
-              <a:latin typeface="Calibri" charset="0"/>
-              <a:ea typeface="Calibri" charset="0"/>
-              <a:cs typeface="Calibri" charset="0"/>
-            </a:endParaRPr>
+              <a:t>107</a:t>
+            </a:r>
+            <a:r>
+              <a:rPr lang="en-US" altLang="zh-CN" baseline="30000" dirty="0"/>
+              <a:t>th</a:t>
+            </a:r>
+            <a:r>
+              <a:rPr lang="en-US" altLang="zh-CN" dirty="0"/>
+              <a:t> IETF @ Vancouver</a:t>
+            </a:r>
           </a:p>
         </p:txBody>
       </p:sp>
@@ -3055,13 +3077,16 @@
             </a:pPr>
             <a:r>
               <a:rPr lang="en-US" altLang="zh-CN" dirty="0"/>
-              <a:t>105th IETF @ Montreal</a:t>
-            </a:r>
-            <a:endParaRPr lang="en-US" altLang="zh-CN" dirty="0">
-              <a:latin typeface="Calibri" charset="0"/>
-              <a:ea typeface="Calibri" charset="0"/>
-              <a:cs typeface="Calibri" charset="0"/>
-            </a:endParaRPr>
+              <a:t>107</a:t>
+            </a:r>
+            <a:r>
+              <a:rPr lang="en-US" altLang="zh-CN" baseline="30000" dirty="0"/>
+              <a:t>th</a:t>
+            </a:r>
+            <a:r>
+              <a:rPr lang="en-US" altLang="zh-CN" dirty="0"/>
+              <a:t> IETF @ Vancouver</a:t>
+            </a:r>
           </a:p>
         </p:txBody>
       </p:sp>
@@ -3341,7 +3366,15 @@
             </a:pPr>
             <a:r>
               <a:rPr lang="en-US" altLang="zh-CN" dirty="0"/>
-              <a:t>105th IETF @ Montreal</a:t>
+              <a:t>107</a:t>
+            </a:r>
+            <a:r>
+              <a:rPr lang="en-US" altLang="zh-CN" baseline="30000" dirty="0"/>
+              <a:t>th</a:t>
+            </a:r>
+            <a:r>
+              <a:rPr lang="en-US" altLang="zh-CN" dirty="0"/>
+              <a:t> IETF @ Vancouver</a:t>
             </a:r>
           </a:p>
         </p:txBody>
@@ -3756,7 +3789,15 @@
             </a:pPr>
             <a:r>
               <a:rPr lang="en-US" altLang="zh-CN" dirty="0"/>
-              <a:t>105th IETF @ Montreal</a:t>
+              <a:t>107</a:t>
+            </a:r>
+            <a:r>
+              <a:rPr lang="en-US" altLang="zh-CN" baseline="30000" dirty="0"/>
+              <a:t>th</a:t>
+            </a:r>
+            <a:r>
+              <a:rPr lang="en-US" altLang="zh-CN" dirty="0"/>
+              <a:t> IETF @ Vancouver</a:t>
             </a:r>
           </a:p>
         </p:txBody>
@@ -3869,7 +3910,15 @@
             </a:pPr>
             <a:r>
               <a:rPr lang="en-US" altLang="zh-CN" dirty="0"/>
-              <a:t>105th IETF @ Montreal</a:t>
+              <a:t>107</a:t>
+            </a:r>
+            <a:r>
+              <a:rPr lang="en-US" altLang="zh-CN" baseline="30000" dirty="0"/>
+              <a:t>th</a:t>
+            </a:r>
+            <a:r>
+              <a:rPr lang="en-US" altLang="zh-CN" dirty="0"/>
+              <a:t> IETF @ Vancouver</a:t>
             </a:r>
           </a:p>
         </p:txBody>
@@ -3960,7 +4009,15 @@
             </a:pPr>
             <a:r>
               <a:rPr lang="en-US" altLang="zh-CN" dirty="0"/>
-              <a:t>105th IETF @ Montreal</a:t>
+              <a:t>107</a:t>
+            </a:r>
+            <a:r>
+              <a:rPr lang="en-US" altLang="zh-CN" baseline="30000" dirty="0"/>
+              <a:t>th</a:t>
+            </a:r>
+            <a:r>
+              <a:rPr lang="en-US" altLang="zh-CN" dirty="0"/>
+              <a:t> IETF @ Vancouver</a:t>
             </a:r>
           </a:p>
         </p:txBody>
@@ -4231,7 +4288,15 @@
             </a:pPr>
             <a:r>
               <a:rPr lang="en-US" altLang="zh-CN" dirty="0"/>
-              <a:t>105th IETF @ Montreal</a:t>
+              <a:t>107</a:t>
+            </a:r>
+            <a:r>
+              <a:rPr lang="en-US" altLang="zh-CN" baseline="30000" dirty="0"/>
+              <a:t>th</a:t>
+            </a:r>
+            <a:r>
+              <a:rPr lang="en-US" altLang="zh-CN" dirty="0"/>
+              <a:t> IETF @ Vancouver</a:t>
             </a:r>
           </a:p>
         </p:txBody>
@@ -4480,7 +4545,15 @@
             </a:pPr>
             <a:r>
               <a:rPr lang="en-US" altLang="zh-CN" dirty="0"/>
-              <a:t>105th IETF @ Montreal</a:t>
+              <a:t>107</a:t>
+            </a:r>
+            <a:r>
+              <a:rPr lang="en-US" altLang="zh-CN" baseline="30000" dirty="0"/>
+              <a:t>th</a:t>
+            </a:r>
+            <a:r>
+              <a:rPr lang="en-US" altLang="zh-CN" dirty="0"/>
+              <a:t> IETF @ Vancouver</a:t>
             </a:r>
           </a:p>
         </p:txBody>
@@ -4713,13 +4786,16 @@
             </a:pPr>
             <a:r>
               <a:rPr lang="en-US" altLang="zh-CN" dirty="0"/>
-              <a:t>105th IETF @ Montreal</a:t>
-            </a:r>
-            <a:endParaRPr lang="en-US" altLang="zh-CN" dirty="0">
-              <a:latin typeface="Calibri" charset="0"/>
-              <a:ea typeface="Calibri" charset="0"/>
-              <a:cs typeface="Calibri" charset="0"/>
-            </a:endParaRPr>
+              <a:t>107</a:t>
+            </a:r>
+            <a:r>
+              <a:rPr lang="en-US" altLang="zh-CN" baseline="30000" dirty="0"/>
+              <a:t>th</a:t>
+            </a:r>
+            <a:r>
+              <a:rPr lang="en-US" altLang="zh-CN" dirty="0"/>
+              <a:t> IETF @ Vancouver</a:t>
+            </a:r>
           </a:p>
         </p:txBody>
       </p:sp>

--- a/draft-gandhi-mpls-ioam-sr-01.pptx
+++ b/draft-gandhi-mpls-ioam-sr-01.pptx
@@ -5346,7 +5346,7 @@
         <p:spPr bwMode="auto">
           <a:xfrm>
             <a:off x="2286000" y="2495551"/>
-            <a:ext cx="4876800" cy="1685925"/>
+            <a:ext cx="4876800" cy="1447799"/>
           </a:xfrm>
           <a:prstGeom prst="rect">
             <a:avLst/>
@@ -5567,54 +5567,6 @@
                 <a:cs typeface="Calibri" panose="020F0502020204030204" pitchFamily="34" charset="0"/>
               </a:rPr>
               <a:t>)  </a:t>
-            </a:r>
-          </a:p>
-          <a:p>
-            <a:pPr>
-              <a:lnSpc>
-                <a:spcPts val="1880"/>
-              </a:lnSpc>
-              <a:spcBef>
-                <a:spcPts val="0"/>
-              </a:spcBef>
-            </a:pPr>
-            <a:r>
-              <a:rPr lang="en-US" sz="1400" i="1" dirty="0" err="1">
-                <a:latin typeface="Calibri" panose="020F0502020204030204" pitchFamily="34" charset="0"/>
-                <a:ea typeface="Calibri" charset="0"/>
-                <a:cs typeface="Calibri" panose="020F0502020204030204" pitchFamily="34" charset="0"/>
-              </a:rPr>
-              <a:t>Voitek</a:t>
-            </a:r>
-            <a:r>
-              <a:rPr lang="en-US" sz="1400" i="1" dirty="0">
-                <a:latin typeface="Calibri" panose="020F0502020204030204" pitchFamily="34" charset="0"/>
-                <a:ea typeface="Calibri" charset="0"/>
-                <a:cs typeface="Calibri" panose="020F0502020204030204" pitchFamily="34" charset="0"/>
-              </a:rPr>
-              <a:t> Kozak</a:t>
-            </a:r>
-            <a:r>
-              <a:rPr lang="en-CA" sz="1400" i="1" dirty="0">
-                <a:latin typeface="Calibri" panose="020F0502020204030204" pitchFamily="34" charset="0"/>
-                <a:cs typeface="Calibri" panose="020F0502020204030204" pitchFamily="34" charset="0"/>
-              </a:rPr>
-              <a:t> - Comcast (</a:t>
-            </a:r>
-            <a:r>
-              <a:rPr lang="en-CA" sz="1400" i="1" dirty="0">
-                <a:latin typeface="Calibri" panose="020F0502020204030204" pitchFamily="34" charset="0"/>
-                <a:cs typeface="Calibri" panose="020F0502020204030204" pitchFamily="34" charset="0"/>
-                <a:hlinkClick r:id="rId8"/>
-              </a:rPr>
-              <a:t>Voitek_Kozak@comcast.com</a:t>
-            </a:r>
-            <a:r>
-              <a:rPr lang="en-CA" sz="1400" i="1" dirty="0">
-                <a:latin typeface="Calibri" panose="020F0502020204030204" pitchFamily="34" charset="0"/>
-                <a:cs typeface="Calibri" panose="020F0502020204030204" pitchFamily="34" charset="0"/>
-              </a:rPr>
-              <a:t>)</a:t>
             </a:r>
           </a:p>
         </p:txBody>
@@ -6413,7 +6365,7 @@
             </a:pPr>
             <a:r>
               <a:rPr lang="en-CA" sz="2000" dirty="0"/>
-              <a:t>Label assigned by IANA with values TBA3, and TBA4</a:t>
+              <a:t>Label assigned by IANA with values TBA3 and TBA4</a:t>
             </a:r>
           </a:p>
           <a:p>
